--- a/html/ppt/day four.pptx
+++ b/html/ppt/day four.pptx
@@ -4810,6 +4810,13 @@
   <p:clrMapOvr>
     <a:masterClrMapping/>
   </p:clrMapOvr>
+  <p:timing>
+    <p:tnLst>
+      <p:par>
+        <p:cTn id="1" dur="indefinite" restart="never" nodeType="tmRoot"/>
+      </p:par>
+    </p:tnLst>
+  </p:timing>
 </p:sld>
 </file>
 
@@ -7383,14 +7390,14 @@
           <a:lstStyle/>
           <a:p>
             <a:r>
-              <a:rPr lang="en-US"/>
+              <a:rPr lang="en-US" dirty="0"/>
               <a:t>Nested </a:t>
             </a:r>
             <a:r>
-              <a:rPr lang="en-US" smtClean="0"/>
+              <a:rPr lang="en-US" dirty="0" smtClean="0"/>
               <a:t>Tables</a:t>
             </a:r>
-            <a:endParaRPr lang="en-US"/>
+            <a:endParaRPr lang="en-US" dirty="0"/>
           </a:p>
         </p:txBody>
       </p:sp>
@@ -7769,6 +7776,13 @@
   <p:clrMapOvr>
     <a:masterClrMapping/>
   </p:clrMapOvr>
+  <p:timing>
+    <p:tnLst>
+      <p:par>
+        <p:cTn id="1" dur="indefinite" restart="never" nodeType="tmRoot"/>
+      </p:par>
+    </p:tnLst>
+  </p:timing>
 </p:sld>
 </file>
 
@@ -7991,6 +8005,13 @@
   <p:clrMapOvr>
     <a:masterClrMapping/>
   </p:clrMapOvr>
+  <p:timing>
+    <p:tnLst>
+      <p:par>
+        <p:cTn id="1" dur="indefinite" restart="never" nodeType="tmRoot"/>
+      </p:par>
+    </p:tnLst>
+  </p:timing>
 </p:sld>
 </file>
 
@@ -8184,6 +8205,13 @@
   <p:clrMapOvr>
     <a:masterClrMapping/>
   </p:clrMapOvr>
+  <p:timing>
+    <p:tnLst>
+      <p:par>
+        <p:cTn id="1" dur="indefinite" restart="never" nodeType="tmRoot"/>
+      </p:par>
+    </p:tnLst>
+  </p:timing>
 </p:sld>
 </file>
 
@@ -8345,6 +8373,13 @@
   <p:clrMapOvr>
     <a:masterClrMapping/>
   </p:clrMapOvr>
+  <p:timing>
+    <p:tnLst>
+      <p:par>
+        <p:cTn id="1" dur="indefinite" restart="never" nodeType="tmRoot"/>
+      </p:par>
+    </p:tnLst>
+  </p:timing>
 </p:sld>
 </file>
 
@@ -8514,6 +8549,13 @@
   <p:clrMapOvr>
     <a:masterClrMapping/>
   </p:clrMapOvr>
+  <p:timing>
+    <p:tnLst>
+      <p:par>
+        <p:cTn id="1" dur="indefinite" restart="never" nodeType="tmRoot"/>
+      </p:par>
+    </p:tnLst>
+  </p:timing>
 </p:sld>
 </file>
 
@@ -8801,6 +8843,13 @@
   <p:clrMapOvr>
     <a:masterClrMapping/>
   </p:clrMapOvr>
+  <p:timing>
+    <p:tnLst>
+      <p:par>
+        <p:cTn id="1" dur="indefinite" restart="never" nodeType="tmRoot"/>
+      </p:par>
+    </p:tnLst>
+  </p:timing>
 </p:sld>
 </file>
 
@@ -9239,6 +9288,13 @@
   <p:clrMapOvr>
     <a:masterClrMapping/>
   </p:clrMapOvr>
+  <p:timing>
+    <p:tnLst>
+      <p:par>
+        <p:cTn id="1" dur="indefinite" restart="never" nodeType="tmRoot"/>
+      </p:par>
+    </p:tnLst>
+  </p:timing>
 </p:sld>
 </file>
 
